--- a/Status Updates/2013 09 13.pptx
+++ b/Status Updates/2013 09 13.pptx
@@ -7,13 +7,15 @@
   <p:sldIdLst>
     <p:sldId id="256" r:id="rId2"/>
     <p:sldId id="257" r:id="rId3"/>
-    <p:sldId id="258" r:id="rId4"/>
-    <p:sldId id="259" r:id="rId5"/>
-    <p:sldId id="260" r:id="rId6"/>
-    <p:sldId id="261" r:id="rId7"/>
+    <p:sldId id="263" r:id="rId4"/>
+    <p:sldId id="258" r:id="rId5"/>
+    <p:sldId id="259" r:id="rId6"/>
+    <p:sldId id="260" r:id="rId7"/>
+    <p:sldId id="262" r:id="rId8"/>
+    <p:sldId id="261" r:id="rId9"/>
   </p:sldIdLst>
   <p:sldSz cx="9144000" cy="6858000" type="screen4x3"/>
-  <p:notesSz cx="6858000" cy="9144000"/>
+  <p:notesSz cx="7010400" cy="9296400"/>
   <p:defaultTextStyle>
     <a:defPPr>
       <a:defRPr lang="en-US"/>
@@ -306,7 +308,7 @@
           <a:p>
             <a:fld id="{B790700D-980F-41A9-9E1A-E28F7DB87F53}" type="datetimeFigureOut">
               <a:rPr lang="en-US" smtClean="0"/>
-              <a:t>9/11/2013</a:t>
+              <a:t>9/12/2013</a:t>
             </a:fld>
             <a:endParaRPr lang="en-US"/>
           </a:p>
@@ -471,7 +473,7 @@
           <a:p>
             <a:fld id="{B790700D-980F-41A9-9E1A-E28F7DB87F53}" type="datetimeFigureOut">
               <a:rPr lang="en-US" smtClean="0"/>
-              <a:t>9/11/2013</a:t>
+              <a:t>9/12/2013</a:t>
             </a:fld>
             <a:endParaRPr lang="en-US"/>
           </a:p>
@@ -646,7 +648,7 @@
           <a:p>
             <a:fld id="{B790700D-980F-41A9-9E1A-E28F7DB87F53}" type="datetimeFigureOut">
               <a:rPr lang="en-US" smtClean="0"/>
-              <a:t>9/11/2013</a:t>
+              <a:t>9/12/2013</a:t>
             </a:fld>
             <a:endParaRPr lang="en-US"/>
           </a:p>
@@ -811,7 +813,7 @@
           <a:p>
             <a:fld id="{B790700D-980F-41A9-9E1A-E28F7DB87F53}" type="datetimeFigureOut">
               <a:rPr lang="en-US" smtClean="0"/>
-              <a:t>9/11/2013</a:t>
+              <a:t>9/12/2013</a:t>
             </a:fld>
             <a:endParaRPr lang="en-US"/>
           </a:p>
@@ -1052,7 +1054,7 @@
           <a:p>
             <a:fld id="{B790700D-980F-41A9-9E1A-E28F7DB87F53}" type="datetimeFigureOut">
               <a:rPr lang="en-US" smtClean="0"/>
-              <a:t>9/11/2013</a:t>
+              <a:t>9/12/2013</a:t>
             </a:fld>
             <a:endParaRPr lang="en-US"/>
           </a:p>
@@ -1335,7 +1337,7 @@
           <a:p>
             <a:fld id="{B790700D-980F-41A9-9E1A-E28F7DB87F53}" type="datetimeFigureOut">
               <a:rPr lang="en-US" smtClean="0"/>
-              <a:t>9/11/2013</a:t>
+              <a:t>9/12/2013</a:t>
             </a:fld>
             <a:endParaRPr lang="en-US"/>
           </a:p>
@@ -1764,7 +1766,7 @@
           <a:p>
             <a:fld id="{B790700D-980F-41A9-9E1A-E28F7DB87F53}" type="datetimeFigureOut">
               <a:rPr lang="en-US" smtClean="0"/>
-              <a:t>9/11/2013</a:t>
+              <a:t>9/12/2013</a:t>
             </a:fld>
             <a:endParaRPr lang="en-US"/>
           </a:p>
@@ -1877,7 +1879,7 @@
           <a:p>
             <a:fld id="{B790700D-980F-41A9-9E1A-E28F7DB87F53}" type="datetimeFigureOut">
               <a:rPr lang="en-US" smtClean="0"/>
-              <a:t>9/11/2013</a:t>
+              <a:t>9/12/2013</a:t>
             </a:fld>
             <a:endParaRPr lang="en-US"/>
           </a:p>
@@ -1967,7 +1969,7 @@
           <a:p>
             <a:fld id="{B790700D-980F-41A9-9E1A-E28F7DB87F53}" type="datetimeFigureOut">
               <a:rPr lang="en-US" smtClean="0"/>
-              <a:t>9/11/2013</a:t>
+              <a:t>9/12/2013</a:t>
             </a:fld>
             <a:endParaRPr lang="en-US"/>
           </a:p>
@@ -2156,7 +2158,7 @@
           <a:p>
             <a:fld id="{B790700D-980F-41A9-9E1A-E28F7DB87F53}" type="datetimeFigureOut">
               <a:rPr lang="en-US" smtClean="0"/>
-              <a:t>9/11/2013</a:t>
+              <a:t>9/12/2013</a:t>
             </a:fld>
             <a:endParaRPr lang="en-US"/>
           </a:p>
@@ -2474,7 +2476,7 @@
           <a:p>
             <a:fld id="{B790700D-980F-41A9-9E1A-E28F7DB87F53}" type="datetimeFigureOut">
               <a:rPr lang="en-US" smtClean="0"/>
-              <a:t>9/11/2013</a:t>
+              <a:t>9/12/2013</a:t>
             </a:fld>
             <a:endParaRPr lang="en-US"/>
           </a:p>
@@ -2853,7 +2855,7 @@
           <a:p>
             <a:fld id="{B790700D-980F-41A9-9E1A-E28F7DB87F53}" type="datetimeFigureOut">
               <a:rPr lang="en-US" smtClean="0"/>
-              <a:t>9/11/2013</a:t>
+              <a:t>9/12/2013</a:t>
             </a:fld>
             <a:endParaRPr lang="en-US"/>
           </a:p>
@@ -3193,13 +3195,29 @@
           <a:p>
             <a:r>
               <a:rPr lang="en-US" dirty="0" smtClean="0"/>
-              <a:t>Team Ink3D</a:t>
+              <a:t>Team </a:t>
+            </a:r>
+            <a:r>
+              <a:rPr lang="en-US" dirty="0" smtClean="0"/>
+              <a:t>Ink</a:t>
+            </a:r>
+            <a:r>
+              <a:rPr lang="en-US" dirty="0" smtClean="0">
+                <a:solidFill>
+                  <a:srgbClr val="FF0000"/>
+                </a:solidFill>
+              </a:rPr>
+              <a:t>3D</a:t>
+            </a:r>
+            <a:r>
+              <a:rPr lang="en-US" dirty="0"/>
+              <a:t/>
             </a:r>
             <a:br>
-              <a:rPr lang="en-US" dirty="0" smtClean="0"/>
+              <a:rPr lang="en-US" dirty="0"/>
             </a:br>
             <a:r>
-              <a:rPr lang="en-US" dirty="0" smtClean="0"/>
+              <a:rPr lang="en-US" dirty="0"/>
               <a:t>Status 9/13/13</a:t>
             </a:r>
             <a:endParaRPr lang="en-US" dirty="0"/>
@@ -3259,6 +3277,13 @@
   <p:clrMapOvr>
     <a:masterClrMapping/>
   </p:clrMapOvr>
+  <p:timing>
+    <p:tnLst>
+      <p:par>
+        <p:cTn id="1" dur="indefinite" restart="never" nodeType="tmRoot"/>
+      </p:par>
+    </p:tnLst>
+  </p:timing>
 </p:sld>
 </file>
 
@@ -3353,41 +3378,11 @@
           <a:p>
             <a:r>
               <a:rPr lang="en-US" dirty="0" smtClean="0"/>
-              <a:t>Team Responsibilities Established</a:t>
-            </a:r>
-          </a:p>
-          <a:p>
-            <a:pPr lvl="1"/>
+              <a:t>Established </a:t>
+            </a:r>
             <a:r>
               <a:rPr lang="en-US" dirty="0" smtClean="0"/>
-              <a:t>Tim – Primary Programmer / Scribe</a:t>
-            </a:r>
-          </a:p>
-          <a:p>
-            <a:pPr lvl="1"/>
-            <a:r>
-              <a:rPr lang="en-US" dirty="0" smtClean="0"/>
-              <a:t>Jesse – Primary Software Architecture</a:t>
-            </a:r>
-          </a:p>
-          <a:p>
-            <a:pPr lvl="1"/>
-            <a:r>
-              <a:rPr lang="en-US" dirty="0" smtClean="0"/>
-              <a:t>Shawn – Hardware Interface</a:t>
-            </a:r>
-          </a:p>
-          <a:p>
-            <a:pPr lvl="1"/>
-            <a:r>
-              <a:rPr lang="en-US" dirty="0" smtClean="0"/>
-              <a:t>Dan – Lead and Support</a:t>
-            </a:r>
-          </a:p>
-          <a:p>
-            <a:r>
-              <a:rPr lang="en-US" dirty="0" smtClean="0"/>
-              <a:t>Established Meeting Times 7-9 Tues and Thurs</a:t>
+              <a:t>Meeting Times 7-9 Tues and Thurs</a:t>
             </a:r>
           </a:p>
           <a:p>
@@ -3409,6 +3404,13 @@
   <p:clrMapOvr>
     <a:masterClrMapping/>
   </p:clrMapOvr>
+  <p:timing>
+    <p:tnLst>
+      <p:par>
+        <p:cTn id="1" dur="indefinite" restart="never" nodeType="tmRoot"/>
+      </p:par>
+    </p:tnLst>
+  </p:timing>
 </p:sld>
 </file>
 
@@ -3445,8 +3447,12 @@
           <a:lstStyle/>
           <a:p>
             <a:r>
+              <a:rPr lang="en-US" dirty="0"/>
+              <a:t>Team </a:t>
+            </a:r>
+            <a:r>
               <a:rPr lang="en-US" dirty="0" smtClean="0"/>
-              <a:t>Strengths</a:t>
+              <a:t>Responsibilities</a:t>
             </a:r>
             <a:endParaRPr lang="en-US" dirty="0"/>
           </a:p>
@@ -3469,19 +3475,34 @@
           <a:p>
             <a:r>
               <a:rPr lang="en-US" dirty="0" smtClean="0"/>
-              <a:t>C Based Language Skill</a:t>
-            </a:r>
-          </a:p>
-          <a:p>
+              <a:t>Tim </a:t>
+            </a:r>
+            <a:r>
+              <a:rPr lang="en-US" dirty="0"/>
+              <a:t>– Primary Programmer </a:t>
+            </a:r>
             <a:r>
               <a:rPr lang="en-US" dirty="0" smtClean="0"/>
-              <a:t>Programming Experience</a:t>
-            </a:r>
-          </a:p>
-          <a:p>
-            <a:r>
-              <a:rPr lang="en-US" dirty="0" smtClean="0"/>
-              <a:t>Software Engineering</a:t>
+              <a:t>&amp; Scribe</a:t>
+            </a:r>
+            <a:endParaRPr lang="en-US" dirty="0"/>
+          </a:p>
+          <a:p>
+            <a:r>
+              <a:rPr lang="en-US" dirty="0"/>
+              <a:t>Jesse – Primary Software Architecture</a:t>
+            </a:r>
+          </a:p>
+          <a:p>
+            <a:r>
+              <a:rPr lang="en-US" dirty="0"/>
+              <a:t>Shawn – Hardware Interface</a:t>
+            </a:r>
+          </a:p>
+          <a:p>
+            <a:r>
+              <a:rPr lang="en-US" dirty="0"/>
+              <a:t>Dan – Lead and Support</a:t>
             </a:r>
           </a:p>
           <a:p>
@@ -3492,13 +3513,20 @@
     </p:spTree>
     <p:extLst>
       <p:ext uri="{BB962C8B-B14F-4D97-AF65-F5344CB8AC3E}">
-        <p14:creationId xmlns:p14="http://schemas.microsoft.com/office/powerpoint/2010/main" val="2586567023"/>
+        <p14:creationId xmlns:p14="http://schemas.microsoft.com/office/powerpoint/2010/main" val="3640870723"/>
       </p:ext>
     </p:extLst>
   </p:cSld>
   <p:clrMapOvr>
     <a:masterClrMapping/>
   </p:clrMapOvr>
+  <p:timing>
+    <p:tnLst>
+      <p:par>
+        <p:cTn id="1" dur="indefinite" restart="never" nodeType="tmRoot"/>
+      </p:par>
+    </p:tnLst>
+  </p:timing>
 </p:sld>
 </file>
 
@@ -3536,7 +3564,7 @@
           <a:p>
             <a:r>
               <a:rPr lang="en-US" dirty="0" smtClean="0"/>
-              <a:t>Weaknesses</a:t>
+              <a:t>Strengths</a:t>
             </a:r>
             <a:endParaRPr lang="en-US" dirty="0"/>
           </a:p>
@@ -3559,14 +3587,27 @@
           <a:p>
             <a:r>
               <a:rPr lang="en-US" dirty="0" smtClean="0"/>
-              <a:t>No Experience in Printing Software</a:t>
+              <a:t>C Based Language Skill</a:t>
+            </a:r>
+          </a:p>
+          <a:p>
+            <a:r>
+              <a:rPr lang="en-US" dirty="0"/>
+              <a:t>Strong Algorithms &amp; Data Structures</a:t>
             </a:r>
           </a:p>
           <a:p>
             <a:r>
               <a:rPr lang="en-US" dirty="0" smtClean="0"/>
-              <a:t>Little Analytical Geometry Knowledge</a:t>
-            </a:r>
+              <a:t>Software Engineering</a:t>
+            </a:r>
+          </a:p>
+          <a:p>
+            <a:r>
+              <a:rPr lang="en-US" dirty="0" smtClean="0"/>
+              <a:t>Problem Solving</a:t>
+            </a:r>
+            <a:endParaRPr lang="en-US" dirty="0" smtClean="0"/>
           </a:p>
           <a:p>
             <a:endParaRPr lang="en-US" dirty="0"/>
@@ -3576,13 +3617,20 @@
     </p:spTree>
     <p:extLst>
       <p:ext uri="{BB962C8B-B14F-4D97-AF65-F5344CB8AC3E}">
-        <p14:creationId xmlns:p14="http://schemas.microsoft.com/office/powerpoint/2010/main" val="1736250551"/>
+        <p14:creationId xmlns:p14="http://schemas.microsoft.com/office/powerpoint/2010/main" val="2586567023"/>
       </p:ext>
     </p:extLst>
   </p:cSld>
   <p:clrMapOvr>
     <a:masterClrMapping/>
   </p:clrMapOvr>
+  <p:timing>
+    <p:tnLst>
+      <p:par>
+        <p:cTn id="1" dur="indefinite" restart="never" nodeType="tmRoot"/>
+      </p:par>
+    </p:tnLst>
+  </p:timing>
 </p:sld>
 </file>
 
@@ -3613,73 +3661,72 @@
             <p:ph type="title"/>
           </p:nvPr>
         </p:nvSpPr>
-        <p:spPr>
-          <a:xfrm>
-            <a:off x="457200" y="274638"/>
-            <a:ext cx="7620000" cy="1325562"/>
-          </a:xfrm>
-        </p:spPr>
+        <p:spPr/>
         <p:txBody>
           <a:bodyPr/>
           <a:lstStyle/>
           <a:p>
             <a:r>
               <a:rPr lang="en-US" dirty="0" smtClean="0"/>
-              <a:t>Important Near term Challenges</a:t>
-            </a:r>
-            <a:br>
+              <a:t>Weaknesses</a:t>
+            </a:r>
+            <a:endParaRPr lang="en-US" dirty="0"/>
+          </a:p>
+        </p:txBody>
+      </p:sp>
+      <p:sp>
+        <p:nvSpPr>
+          <p:cNvPr id="3" name="Content Placeholder 2"/>
+          <p:cNvSpPr>
+            <a:spLocks noGrp="1"/>
+          </p:cNvSpPr>
+          <p:nvPr>
+            <p:ph idx="1"/>
+          </p:nvPr>
+        </p:nvSpPr>
+        <p:spPr/>
+        <p:txBody>
+          <a:bodyPr/>
+          <a:lstStyle/>
+          <a:p>
+            <a:r>
               <a:rPr lang="en-US" dirty="0" smtClean="0"/>
-            </a:br>
+              <a:t>No Experience in Printing Software</a:t>
+            </a:r>
+          </a:p>
+          <a:p>
+            <a:r>
+              <a:rPr lang="en-US" dirty="0" smtClean="0"/>
+              <a:t>Little Analytical Geometry </a:t>
+            </a:r>
+            <a:r>
+              <a:rPr lang="en-US" dirty="0" smtClean="0"/>
+              <a:t>Knowledge</a:t>
+            </a:r>
             <a:endParaRPr lang="en-US" dirty="0"/>
           </a:p>
-        </p:txBody>
-      </p:sp>
-      <p:sp>
-        <p:nvSpPr>
-          <p:cNvPr id="3" name="Content Placeholder 2"/>
-          <p:cNvSpPr>
-            <a:spLocks noGrp="1"/>
-          </p:cNvSpPr>
-          <p:nvPr>
-            <p:ph idx="1"/>
-          </p:nvPr>
-        </p:nvSpPr>
-        <p:spPr/>
-        <p:txBody>
-          <a:bodyPr/>
-          <a:lstStyle/>
-          <a:p>
-            <a:r>
-              <a:rPr lang="en-US" dirty="0" smtClean="0"/>
-              <a:t>The Printer is Currently in Development(ME SD Team)</a:t>
-            </a:r>
-          </a:p>
-          <a:p>
-            <a:r>
-              <a:rPr lang="en-US" dirty="0" smtClean="0"/>
-              <a:t>Project </a:t>
-            </a:r>
-            <a:r>
-              <a:rPr lang="en-US" smtClean="0"/>
-              <a:t>Scope Definition</a:t>
-            </a:r>
+          <a:p>
             <a:endParaRPr lang="en-US" dirty="0" smtClean="0"/>
-          </a:p>
-          <a:p>
-            <a:endParaRPr lang="en-US" dirty="0"/>
           </a:p>
         </p:txBody>
       </p:sp>
     </p:spTree>
     <p:extLst>
       <p:ext uri="{BB962C8B-B14F-4D97-AF65-F5344CB8AC3E}">
-        <p14:creationId xmlns:p14="http://schemas.microsoft.com/office/powerpoint/2010/main" val="2346356188"/>
+        <p14:creationId xmlns:p14="http://schemas.microsoft.com/office/powerpoint/2010/main" val="1736250551"/>
       </p:ext>
     </p:extLst>
   </p:cSld>
   <p:clrMapOvr>
     <a:masterClrMapping/>
   </p:clrMapOvr>
+  <p:timing>
+    <p:tnLst>
+      <p:par>
+        <p:cTn id="1" dur="indefinite" restart="never" nodeType="tmRoot"/>
+      </p:par>
+    </p:tnLst>
+  </p:timing>
 </p:sld>
 </file>
 
@@ -3710,6 +3757,229 @@
             <p:ph type="title"/>
           </p:nvPr>
         </p:nvSpPr>
+        <p:spPr>
+          <a:xfrm>
+            <a:off x="457200" y="274638"/>
+            <a:ext cx="7620000" cy="1325562"/>
+          </a:xfrm>
+        </p:spPr>
+        <p:txBody>
+          <a:bodyPr/>
+          <a:lstStyle/>
+          <a:p>
+            <a:r>
+              <a:rPr lang="en-US" dirty="0" smtClean="0"/>
+              <a:t>Important Near term Challenges</a:t>
+            </a:r>
+            <a:br>
+              <a:rPr lang="en-US" dirty="0" smtClean="0"/>
+            </a:br>
+            <a:endParaRPr lang="en-US" dirty="0"/>
+          </a:p>
+        </p:txBody>
+      </p:sp>
+      <p:sp>
+        <p:nvSpPr>
+          <p:cNvPr id="3" name="Content Placeholder 2"/>
+          <p:cNvSpPr>
+            <a:spLocks noGrp="1"/>
+          </p:cNvSpPr>
+          <p:nvPr>
+            <p:ph idx="1"/>
+          </p:nvPr>
+        </p:nvSpPr>
+        <p:spPr/>
+        <p:txBody>
+          <a:bodyPr/>
+          <a:lstStyle/>
+          <a:p>
+            <a:r>
+              <a:rPr lang="en-US" dirty="0" smtClean="0"/>
+              <a:t>The Printer is Currently in Development(ME SD Team)</a:t>
+            </a:r>
+          </a:p>
+          <a:p>
+            <a:r>
+              <a:rPr lang="en-US" dirty="0" smtClean="0"/>
+              <a:t>Project Scope </a:t>
+            </a:r>
+            <a:r>
+              <a:rPr lang="en-US" dirty="0" smtClean="0"/>
+              <a:t>Definition</a:t>
+            </a:r>
+          </a:p>
+          <a:p>
+            <a:r>
+              <a:rPr lang="en-US" dirty="0" smtClean="0"/>
+              <a:t>Communication with Multiple Teams</a:t>
+            </a:r>
+            <a:endParaRPr lang="en-US" dirty="0" smtClean="0"/>
+          </a:p>
+          <a:p>
+            <a:endParaRPr lang="en-US" dirty="0"/>
+          </a:p>
+        </p:txBody>
+      </p:sp>
+    </p:spTree>
+    <p:extLst>
+      <p:ext uri="{BB962C8B-B14F-4D97-AF65-F5344CB8AC3E}">
+        <p14:creationId xmlns:p14="http://schemas.microsoft.com/office/powerpoint/2010/main" val="2346356188"/>
+      </p:ext>
+    </p:extLst>
+  </p:cSld>
+  <p:clrMapOvr>
+    <a:masterClrMapping/>
+  </p:clrMapOvr>
+  <p:timing>
+    <p:tnLst>
+      <p:par>
+        <p:cTn id="1" dur="indefinite" restart="never" nodeType="tmRoot"/>
+      </p:par>
+    </p:tnLst>
+  </p:timing>
+</p:sld>
+</file>
+
+<file path=ppt/slides/slide7.xml><?xml version="1.0" encoding="utf-8"?>
+<p:sld xmlns:a="http://schemas.openxmlformats.org/drawingml/2006/main" xmlns:r="http://schemas.openxmlformats.org/officeDocument/2006/relationships" xmlns:p="http://schemas.openxmlformats.org/presentationml/2006/main">
+  <p:cSld>
+    <p:spTree>
+      <p:nvGrpSpPr>
+        <p:cNvPr id="1" name=""/>
+        <p:cNvGrpSpPr/>
+        <p:nvPr/>
+      </p:nvGrpSpPr>
+      <p:grpSpPr>
+        <a:xfrm>
+          <a:off x="0" y="0"/>
+          <a:ext cx="0" cy="0"/>
+          <a:chOff x="0" y="0"/>
+          <a:chExt cx="0" cy="0"/>
+        </a:xfrm>
+      </p:grpSpPr>
+      <p:sp>
+        <p:nvSpPr>
+          <p:cNvPr id="2" name="Title 1"/>
+          <p:cNvSpPr>
+            <a:spLocks noGrp="1"/>
+          </p:cNvSpPr>
+          <p:nvPr>
+            <p:ph type="title"/>
+          </p:nvPr>
+        </p:nvSpPr>
+        <p:spPr/>
+        <p:txBody>
+          <a:bodyPr/>
+          <a:lstStyle/>
+          <a:p>
+            <a:r>
+              <a:rPr lang="en-US" dirty="0"/>
+              <a:t>E</a:t>
+            </a:r>
+            <a:r>
+              <a:rPr lang="en-US" dirty="0" smtClean="0"/>
+              <a:t>arly Assessment </a:t>
+            </a:r>
+            <a:r>
+              <a:rPr lang="en-US" dirty="0"/>
+              <a:t>of </a:t>
+            </a:r>
+            <a:r>
+              <a:rPr lang="en-US" dirty="0" smtClean="0"/>
+              <a:t>Risks</a:t>
+            </a:r>
+            <a:endParaRPr lang="en-US" dirty="0"/>
+          </a:p>
+        </p:txBody>
+      </p:sp>
+      <p:sp>
+        <p:nvSpPr>
+          <p:cNvPr id="3" name="Content Placeholder 2"/>
+          <p:cNvSpPr>
+            <a:spLocks noGrp="1"/>
+          </p:cNvSpPr>
+          <p:nvPr>
+            <p:ph idx="1"/>
+          </p:nvPr>
+        </p:nvSpPr>
+        <p:spPr/>
+        <p:txBody>
+          <a:bodyPr/>
+          <a:lstStyle/>
+          <a:p>
+            <a:r>
+              <a:rPr lang="en-US" dirty="0" smtClean="0"/>
+              <a:t>No Defined Interface</a:t>
+            </a:r>
+          </a:p>
+          <a:p>
+            <a:r>
+              <a:rPr lang="en-US" dirty="0" smtClean="0"/>
+              <a:t>Mechanical Engineering Team</a:t>
+            </a:r>
+          </a:p>
+          <a:p>
+            <a:r>
+              <a:rPr lang="en-US" dirty="0" smtClean="0"/>
+              <a:t>Working with Geometry</a:t>
+            </a:r>
+          </a:p>
+          <a:p>
+            <a:r>
+              <a:rPr lang="en-US" dirty="0" smtClean="0"/>
+              <a:t>Hardware Complexity</a:t>
+            </a:r>
+            <a:endParaRPr lang="en-US" dirty="0"/>
+          </a:p>
+        </p:txBody>
+      </p:sp>
+    </p:spTree>
+    <p:extLst>
+      <p:ext uri="{BB962C8B-B14F-4D97-AF65-F5344CB8AC3E}">
+        <p14:creationId xmlns:p14="http://schemas.microsoft.com/office/powerpoint/2010/main" val="734572647"/>
+      </p:ext>
+    </p:extLst>
+  </p:cSld>
+  <p:clrMapOvr>
+    <a:masterClrMapping/>
+  </p:clrMapOvr>
+  <p:timing>
+    <p:tnLst>
+      <p:par>
+        <p:cTn id="1" dur="indefinite" restart="never" nodeType="tmRoot"/>
+      </p:par>
+    </p:tnLst>
+  </p:timing>
+</p:sld>
+</file>
+
+<file path=ppt/slides/slide8.xml><?xml version="1.0" encoding="utf-8"?>
+<p:sld xmlns:a="http://schemas.openxmlformats.org/drawingml/2006/main" xmlns:r="http://schemas.openxmlformats.org/officeDocument/2006/relationships" xmlns:p="http://schemas.openxmlformats.org/presentationml/2006/main">
+  <p:cSld>
+    <p:spTree>
+      <p:nvGrpSpPr>
+        <p:cNvPr id="1" name=""/>
+        <p:cNvGrpSpPr/>
+        <p:nvPr/>
+      </p:nvGrpSpPr>
+      <p:grpSpPr>
+        <a:xfrm>
+          <a:off x="0" y="0"/>
+          <a:ext cx="0" cy="0"/>
+          <a:chOff x="0" y="0"/>
+          <a:chExt cx="0" cy="0"/>
+        </a:xfrm>
+      </p:grpSpPr>
+      <p:sp>
+        <p:nvSpPr>
+          <p:cNvPr id="2" name="Title 1"/>
+          <p:cNvSpPr>
+            <a:spLocks noGrp="1"/>
+          </p:cNvSpPr>
+          <p:nvPr>
+            <p:ph type="title"/>
+          </p:nvPr>
+        </p:nvSpPr>
         <p:spPr/>
         <p:txBody>
           <a:bodyPr/>
@@ -3746,10 +4016,18 @@
           <a:p>
             <a:r>
               <a:rPr lang="en-US" dirty="0" smtClean="0"/>
-              <a:t>Brainstorm Requirements Based on Sponsor Information</a:t>
-            </a:r>
-          </a:p>
-          <a:p>
+              <a:t>Brainstorm </a:t>
+            </a:r>
+            <a:r>
+              <a:rPr lang="en-US" dirty="0" smtClean="0"/>
+              <a:t>Requirements</a:t>
+            </a:r>
+          </a:p>
+          <a:p>
+            <a:r>
+              <a:rPr lang="en-US" dirty="0" smtClean="0"/>
+              <a:t>Hardware Research</a:t>
+            </a:r>
             <a:endParaRPr lang="en-US" dirty="0"/>
           </a:p>
         </p:txBody>
@@ -3764,6 +4042,13 @@
   <p:clrMapOvr>
     <a:masterClrMapping/>
   </p:clrMapOvr>
+  <p:timing>
+    <p:tnLst>
+      <p:par>
+        <p:cTn id="1" dur="indefinite" restart="never" nodeType="tmRoot"/>
+      </p:par>
+    </p:tnLst>
+  </p:timing>
 </p:sld>
 </file>
 
